--- a/types.pptx
+++ b/types.pptx
@@ -107,6 +107,11 @@
       </a:defRPr>
     </a:lvl9pPr>
   </p:defaultTextStyle>
+  <p:extLst>
+    <p:ext uri="{EFAFB233-063F-42B5-8137-9DF3F51BA10A}">
+      <p15:sldGuideLst xmlns:p15="http://schemas.microsoft.com/office/powerpoint/2012/main"/>
+    </p:ext>
+  </p:extLst>
 </p:presentation>
 </file>
 
@@ -192,7 +197,7 @@
           <a:p>
             <a:fld id="{C560B859-46D0-D34D-80C0-3639A2E655FF}" type="datetimeFigureOut">
               <a:rPr lang="en-US" smtClean="0"/>
-              <a:t>4/5/18</a:t>
+              <a:t>4/16/18</a:t>
             </a:fld>
             <a:endParaRPr lang="en-US"/>
           </a:p>
@@ -690,7 +695,7 @@
           <a:p>
             <a:fld id="{4D3E8C9B-4A78-6E4E-B072-D4ADAC569BF5}" type="datetimeFigureOut">
               <a:rPr lang="en-US" smtClean="0"/>
-              <a:t>4/5/18</a:t>
+              <a:t>4/16/18</a:t>
             </a:fld>
             <a:endParaRPr lang="en-US"/>
           </a:p>
@@ -888,7 +893,7 @@
           <a:p>
             <a:fld id="{4D3E8C9B-4A78-6E4E-B072-D4ADAC569BF5}" type="datetimeFigureOut">
               <a:rPr lang="en-US" smtClean="0"/>
-              <a:t>4/5/18</a:t>
+              <a:t>4/16/18</a:t>
             </a:fld>
             <a:endParaRPr lang="en-US"/>
           </a:p>
@@ -1096,7 +1101,7 @@
           <a:p>
             <a:fld id="{4D3E8C9B-4A78-6E4E-B072-D4ADAC569BF5}" type="datetimeFigureOut">
               <a:rPr lang="en-US" smtClean="0"/>
-              <a:t>4/5/18</a:t>
+              <a:t>4/16/18</a:t>
             </a:fld>
             <a:endParaRPr lang="en-US"/>
           </a:p>
@@ -1294,7 +1299,7 @@
           <a:p>
             <a:fld id="{4D3E8C9B-4A78-6E4E-B072-D4ADAC569BF5}" type="datetimeFigureOut">
               <a:rPr lang="en-US" smtClean="0"/>
-              <a:t>4/5/18</a:t>
+              <a:t>4/16/18</a:t>
             </a:fld>
             <a:endParaRPr lang="en-US"/>
           </a:p>
@@ -1569,7 +1574,7 @@
           <a:p>
             <a:fld id="{4D3E8C9B-4A78-6E4E-B072-D4ADAC569BF5}" type="datetimeFigureOut">
               <a:rPr lang="en-US" smtClean="0"/>
-              <a:t>4/5/18</a:t>
+              <a:t>4/16/18</a:t>
             </a:fld>
             <a:endParaRPr lang="en-US"/>
           </a:p>
@@ -1834,7 +1839,7 @@
           <a:p>
             <a:fld id="{4D3E8C9B-4A78-6E4E-B072-D4ADAC569BF5}" type="datetimeFigureOut">
               <a:rPr lang="en-US" smtClean="0"/>
-              <a:t>4/5/18</a:t>
+              <a:t>4/16/18</a:t>
             </a:fld>
             <a:endParaRPr lang="en-US"/>
           </a:p>
@@ -2246,7 +2251,7 @@
           <a:p>
             <a:fld id="{4D3E8C9B-4A78-6E4E-B072-D4ADAC569BF5}" type="datetimeFigureOut">
               <a:rPr lang="en-US" smtClean="0"/>
-              <a:t>4/5/18</a:t>
+              <a:t>4/16/18</a:t>
             </a:fld>
             <a:endParaRPr lang="en-US"/>
           </a:p>
@@ -2387,7 +2392,7 @@
           <a:p>
             <a:fld id="{4D3E8C9B-4A78-6E4E-B072-D4ADAC569BF5}" type="datetimeFigureOut">
               <a:rPr lang="en-US" smtClean="0"/>
-              <a:t>4/5/18</a:t>
+              <a:t>4/16/18</a:t>
             </a:fld>
             <a:endParaRPr lang="en-US"/>
           </a:p>
@@ -2500,7 +2505,7 @@
           <a:p>
             <a:fld id="{4D3E8C9B-4A78-6E4E-B072-D4ADAC569BF5}" type="datetimeFigureOut">
               <a:rPr lang="en-US" smtClean="0"/>
-              <a:t>4/5/18</a:t>
+              <a:t>4/16/18</a:t>
             </a:fld>
             <a:endParaRPr lang="en-US"/>
           </a:p>
@@ -2811,7 +2816,7 @@
           <a:p>
             <a:fld id="{4D3E8C9B-4A78-6E4E-B072-D4ADAC569BF5}" type="datetimeFigureOut">
               <a:rPr lang="en-US" smtClean="0"/>
-              <a:t>4/5/18</a:t>
+              <a:t>4/16/18</a:t>
             </a:fld>
             <a:endParaRPr lang="en-US"/>
           </a:p>
@@ -3099,7 +3104,7 @@
           <a:p>
             <a:fld id="{4D3E8C9B-4A78-6E4E-B072-D4ADAC569BF5}" type="datetimeFigureOut">
               <a:rPr lang="en-US" smtClean="0"/>
-              <a:t>4/5/18</a:t>
+              <a:t>4/16/18</a:t>
             </a:fld>
             <a:endParaRPr lang="en-US"/>
           </a:p>
@@ -3340,7 +3345,7 @@
           <a:p>
             <a:fld id="{4D3E8C9B-4A78-6E4E-B072-D4ADAC569BF5}" type="datetimeFigureOut">
               <a:rPr lang="en-US" smtClean="0"/>
-              <a:t>4/5/18</a:t>
+              <a:t>4/16/18</a:t>
             </a:fld>
             <a:endParaRPr lang="en-US"/>
           </a:p>
@@ -3802,14 +3807,14 @@
           <a:p>
             <a:pPr algn="ctr"/>
             <a:r>
-              <a:rPr lang="en-US" dirty="0">
+              <a:rPr lang="en-US" sz="2800" dirty="0">
                 <a:solidFill>
                   <a:schemeClr val="accent1"/>
                 </a:solidFill>
               </a:rPr>
               <a:t>Step #1</a:t>
             </a:r>
-            <a:endParaRPr lang="en-US" dirty="0"/>
+            <a:endParaRPr lang="en-US" sz="2800" dirty="0"/>
           </a:p>
         </p:txBody>
       </p:sp>
@@ -3834,7 +3839,13 @@
             <a:avLst/>
           </a:prstGeom>
           <a:noFill/>
-          <a:ln w="66675"/>
+          <a:ln w="66675">
+            <a:solidFill>
+              <a:schemeClr val="accent6">
+                <a:lumMod val="50000"/>
+              </a:schemeClr>
+            </a:solidFill>
+          </a:ln>
         </p:spPr>
         <p:style>
           <a:lnRef idx="2">
@@ -3858,14 +3869,14 @@
           <a:p>
             <a:pPr algn="ctr"/>
             <a:r>
-              <a:rPr lang="en-US" dirty="0">
+              <a:rPr lang="en-US" sz="2800" dirty="0">
                 <a:solidFill>
                   <a:schemeClr val="accent1"/>
                 </a:solidFill>
               </a:rPr>
               <a:t>Step #2</a:t>
             </a:r>
-            <a:endParaRPr lang="en-US" dirty="0"/>
+            <a:endParaRPr lang="en-US" sz="2800" dirty="0"/>
           </a:p>
         </p:txBody>
       </p:sp>
@@ -3914,14 +3925,14 @@
           <a:p>
             <a:pPr algn="ctr"/>
             <a:r>
-              <a:rPr lang="en-US" dirty="0">
+              <a:rPr lang="en-US" sz="2800" dirty="0">
                 <a:solidFill>
                   <a:schemeClr val="accent1"/>
                 </a:solidFill>
               </a:rPr>
               <a:t>Step #3</a:t>
             </a:r>
-            <a:endParaRPr lang="en-US" dirty="0"/>
+            <a:endParaRPr lang="en-US" sz="2800" dirty="0"/>
           </a:p>
         </p:txBody>
       </p:sp>
@@ -3970,14 +3981,14 @@
           <a:p>
             <a:pPr algn="ctr"/>
             <a:r>
-              <a:rPr lang="en-US" dirty="0">
+              <a:rPr lang="en-US" sz="2800" dirty="0">
                 <a:solidFill>
                   <a:schemeClr val="accent1"/>
                 </a:solidFill>
               </a:rPr>
               <a:t>Step #4</a:t>
             </a:r>
-            <a:endParaRPr lang="en-US" dirty="0"/>
+            <a:endParaRPr lang="en-US" sz="2800" dirty="0"/>
           </a:p>
         </p:txBody>
       </p:sp>
@@ -4026,14 +4037,14 @@
           <a:p>
             <a:pPr algn="ctr"/>
             <a:r>
-              <a:rPr lang="en-US" dirty="0">
+              <a:rPr lang="en-US" sz="2800" dirty="0">
                 <a:solidFill>
                   <a:schemeClr val="accent1"/>
                 </a:solidFill>
               </a:rPr>
               <a:t>Step #5</a:t>
             </a:r>
-            <a:endParaRPr lang="en-US" dirty="0"/>
+            <a:endParaRPr lang="en-US" sz="2800" dirty="0"/>
           </a:p>
         </p:txBody>
       </p:sp>
@@ -4241,14 +4252,14 @@
           <a:p>
             <a:pPr algn="ctr"/>
             <a:r>
-              <a:rPr lang="en-US" dirty="0">
+              <a:rPr lang="en-US" sz="2800" dirty="0">
                 <a:solidFill>
                   <a:schemeClr val="accent1"/>
                 </a:solidFill>
               </a:rPr>
               <a:t>Step #1</a:t>
             </a:r>
-            <a:endParaRPr lang="en-US" dirty="0"/>
+            <a:endParaRPr lang="en-US" sz="2800" dirty="0"/>
           </a:p>
         </p:txBody>
       </p:sp>
@@ -4273,7 +4284,13 @@
             <a:avLst/>
           </a:prstGeom>
           <a:noFill/>
-          <a:ln w="66675"/>
+          <a:ln w="66675">
+            <a:solidFill>
+              <a:schemeClr val="accent6">
+                <a:lumMod val="50000"/>
+              </a:schemeClr>
+            </a:solidFill>
+          </a:ln>
         </p:spPr>
         <p:style>
           <a:lnRef idx="2">
@@ -4297,14 +4314,14 @@
           <a:p>
             <a:pPr algn="ctr"/>
             <a:r>
-              <a:rPr lang="en-US" dirty="0">
+              <a:rPr lang="en-US" sz="2800" dirty="0">
                 <a:solidFill>
                   <a:schemeClr val="accent1"/>
                 </a:solidFill>
               </a:rPr>
               <a:t>Step #2</a:t>
             </a:r>
-            <a:endParaRPr lang="en-US" dirty="0"/>
+            <a:endParaRPr lang="en-US" sz="2800" dirty="0"/>
           </a:p>
         </p:txBody>
       </p:sp>
@@ -4353,14 +4370,14 @@
           <a:p>
             <a:pPr algn="ctr"/>
             <a:r>
-              <a:rPr lang="en-US" dirty="0">
+              <a:rPr lang="en-US" sz="2800" dirty="0">
                 <a:solidFill>
                   <a:schemeClr val="accent1"/>
                 </a:solidFill>
               </a:rPr>
               <a:t>Step #3</a:t>
             </a:r>
-            <a:endParaRPr lang="en-US" dirty="0"/>
+            <a:endParaRPr lang="en-US" sz="2800" dirty="0"/>
           </a:p>
         </p:txBody>
       </p:sp>
@@ -4409,14 +4426,14 @@
           <a:p>
             <a:pPr algn="ctr"/>
             <a:r>
-              <a:rPr lang="en-US" dirty="0">
+              <a:rPr lang="en-US" sz="2800" dirty="0">
                 <a:solidFill>
                   <a:schemeClr val="accent1"/>
                 </a:solidFill>
               </a:rPr>
               <a:t>Step #4</a:t>
             </a:r>
-            <a:endParaRPr lang="en-US" dirty="0"/>
+            <a:endParaRPr lang="en-US" sz="2800" dirty="0"/>
           </a:p>
         </p:txBody>
       </p:sp>
@@ -4465,14 +4482,14 @@
           <a:p>
             <a:pPr algn="ctr"/>
             <a:r>
-              <a:rPr lang="en-US" dirty="0">
+              <a:rPr lang="en-US" sz="2800" dirty="0">
                 <a:solidFill>
                   <a:schemeClr val="accent1"/>
                 </a:solidFill>
               </a:rPr>
               <a:t>Step #5</a:t>
             </a:r>
-            <a:endParaRPr lang="en-US" dirty="0"/>
+            <a:endParaRPr lang="en-US" sz="2800" dirty="0"/>
           </a:p>
         </p:txBody>
       </p:sp>
@@ -4649,8 +4666,8 @@
         </p:nvSpPr>
         <p:spPr>
           <a:xfrm>
-            <a:off x="3250696" y="1467072"/>
-            <a:ext cx="529311" cy="923330"/>
+            <a:off x="3333248" y="1667127"/>
+            <a:ext cx="364203" cy="523220"/>
           </a:xfrm>
           <a:prstGeom prst="rect">
             <a:avLst/>
@@ -4665,7 +4682,7 @@
           <a:p>
             <a:pPr algn="ctr"/>
             <a:r>
-              <a:rPr lang="en-US" sz="5400" b="0" cap="none" spc="0" dirty="0">
+              <a:rPr lang="en-US" sz="2800" b="0" cap="none" spc="0" dirty="0">
                 <a:ln w="0"/>
                 <a:solidFill>
                   <a:schemeClr val="tx1"/>
@@ -4697,8 +4714,8 @@
         </p:nvSpPr>
         <p:spPr>
           <a:xfrm>
-            <a:off x="3250695" y="2389948"/>
-            <a:ext cx="529311" cy="923330"/>
+            <a:off x="3333247" y="2590003"/>
+            <a:ext cx="364203" cy="523220"/>
           </a:xfrm>
           <a:prstGeom prst="rect">
             <a:avLst/>
@@ -4713,7 +4730,7 @@
           <a:p>
             <a:pPr algn="ctr"/>
             <a:r>
-              <a:rPr lang="en-US" sz="5400" b="0" cap="none" spc="0" dirty="0">
+              <a:rPr lang="en-US" sz="2800" b="0" cap="none" spc="0" dirty="0">
                 <a:ln w="0"/>
                 <a:solidFill>
                   <a:schemeClr val="tx1"/>
@@ -4745,8 +4762,8 @@
         </p:nvSpPr>
         <p:spPr>
           <a:xfrm>
-            <a:off x="3250692" y="3506506"/>
-            <a:ext cx="529311" cy="923330"/>
+            <a:off x="3333244" y="3706561"/>
+            <a:ext cx="364203" cy="523220"/>
           </a:xfrm>
           <a:prstGeom prst="rect">
             <a:avLst/>
@@ -4761,7 +4778,7 @@
           <a:p>
             <a:pPr algn="ctr"/>
             <a:r>
-              <a:rPr lang="en-US" sz="5400" b="0" cap="none" spc="0" dirty="0">
+              <a:rPr lang="en-US" sz="2800" b="0" cap="none" spc="0" dirty="0">
                 <a:ln w="0"/>
                 <a:solidFill>
                   <a:schemeClr val="tx1"/>
@@ -4793,8 +4810,8 @@
         </p:nvSpPr>
         <p:spPr>
           <a:xfrm>
-            <a:off x="3250691" y="4434664"/>
-            <a:ext cx="529311" cy="923330"/>
+            <a:off x="3333243" y="4634719"/>
+            <a:ext cx="364203" cy="523220"/>
           </a:xfrm>
           <a:prstGeom prst="rect">
             <a:avLst/>
@@ -4809,7 +4826,7 @@
           <a:p>
             <a:pPr algn="ctr"/>
             <a:r>
-              <a:rPr lang="en-US" sz="5400" b="0" cap="none" spc="0" dirty="0">
+              <a:rPr lang="en-US" sz="2800" b="0" cap="none" spc="0" dirty="0">
                 <a:ln w="0"/>
                 <a:solidFill>
                   <a:schemeClr val="tx1"/>
@@ -4841,8 +4858,8 @@
         </p:nvSpPr>
         <p:spPr>
           <a:xfrm>
-            <a:off x="3250691" y="5533290"/>
-            <a:ext cx="529311" cy="923330"/>
+            <a:off x="3333243" y="5733345"/>
+            <a:ext cx="364203" cy="523220"/>
           </a:xfrm>
           <a:prstGeom prst="rect">
             <a:avLst/>
@@ -4857,7 +4874,7 @@
           <a:p>
             <a:pPr algn="ctr"/>
             <a:r>
-              <a:rPr lang="en-US" sz="5400" b="0" cap="none" spc="0" dirty="0">
+              <a:rPr lang="en-US" sz="2800" b="0" cap="none" spc="0" dirty="0">
                 <a:ln w="0"/>
                 <a:solidFill>
                   <a:schemeClr val="tx1"/>
@@ -5036,14 +5053,14 @@
           <a:p>
             <a:pPr algn="ctr"/>
             <a:r>
-              <a:rPr lang="en-US" dirty="0">
+              <a:rPr lang="en-US" sz="2800" dirty="0">
                 <a:solidFill>
                   <a:schemeClr val="accent1"/>
                 </a:solidFill>
               </a:rPr>
               <a:t>Step #1</a:t>
             </a:r>
-            <a:endParaRPr lang="en-US" dirty="0"/>
+            <a:endParaRPr lang="en-US" sz="2800" dirty="0"/>
           </a:p>
         </p:txBody>
       </p:sp>
@@ -5068,7 +5085,13 @@
             <a:avLst/>
           </a:prstGeom>
           <a:noFill/>
-          <a:ln w="66675"/>
+          <a:ln w="66675">
+            <a:solidFill>
+              <a:schemeClr val="accent6">
+                <a:lumMod val="50000"/>
+              </a:schemeClr>
+            </a:solidFill>
+          </a:ln>
         </p:spPr>
         <p:style>
           <a:lnRef idx="2">
@@ -5092,14 +5115,14 @@
           <a:p>
             <a:pPr algn="ctr"/>
             <a:r>
-              <a:rPr lang="en-US" dirty="0">
+              <a:rPr lang="en-US" sz="2800" dirty="0">
                 <a:solidFill>
                   <a:schemeClr val="accent1"/>
                 </a:solidFill>
               </a:rPr>
               <a:t>Step #2</a:t>
             </a:r>
-            <a:endParaRPr lang="en-US" dirty="0"/>
+            <a:endParaRPr lang="en-US" sz="2800" dirty="0"/>
           </a:p>
         </p:txBody>
       </p:sp>
@@ -5117,14 +5140,20 @@
         </p:nvSpPr>
         <p:spPr>
           <a:xfrm>
-            <a:off x="8345582" y="3608821"/>
+            <a:off x="8345582" y="3909621"/>
             <a:ext cx="2118049" cy="714528"/>
           </a:xfrm>
           <a:prstGeom prst="rect">
             <a:avLst/>
           </a:prstGeom>
           <a:noFill/>
-          <a:ln w="66675"/>
+          <a:ln w="66675">
+            <a:solidFill>
+              <a:schemeClr val="accent6">
+                <a:lumMod val="50000"/>
+              </a:schemeClr>
+            </a:solidFill>
+          </a:ln>
         </p:spPr>
         <p:style>
           <a:lnRef idx="2">
@@ -5148,14 +5177,14 @@
           <a:p>
             <a:pPr algn="ctr"/>
             <a:r>
-              <a:rPr lang="en-US" dirty="0">
+              <a:rPr lang="en-US" sz="2800" dirty="0">
                 <a:solidFill>
                   <a:schemeClr val="accent1"/>
                 </a:solidFill>
               </a:rPr>
               <a:t>Step #2</a:t>
             </a:r>
-            <a:endParaRPr lang="en-US" dirty="0"/>
+            <a:endParaRPr lang="en-US" sz="2800" dirty="0"/>
           </a:p>
         </p:txBody>
       </p:sp>
@@ -5210,13 +5239,16 @@
               </a:ext>
             </a:extLst>
           </p:cNvPr>
-          <p:cNvCxnSpPr/>
+          <p:cNvCxnSpPr>
+            <a:cxnSpLocks/>
+            <a:endCxn id="34" idx="0"/>
+          </p:cNvCxnSpPr>
           <p:nvPr/>
         </p:nvCxnSpPr>
         <p:spPr>
-          <a:xfrm flipH="1">
-            <a:off x="9404603" y="3271937"/>
-            <a:ext cx="1" cy="304146"/>
+          <a:xfrm>
+            <a:off x="9404605" y="3271937"/>
+            <a:ext cx="2" cy="637684"/>
           </a:xfrm>
           <a:prstGeom prst="straightConnector1">
             <a:avLst/>
@@ -5254,7 +5286,7 @@
         </p:nvCxnSpPr>
         <p:spPr>
           <a:xfrm flipH="1">
-            <a:off x="9404602" y="4302643"/>
+            <a:off x="9404602" y="4603443"/>
             <a:ext cx="1" cy="304146"/>
           </a:xfrm>
           <a:prstGeom prst="straightConnector1">
@@ -5319,7 +5351,7 @@
           <a:lstStyle/>
           <a:p>
             <a:pPr algn="ctr"/>
-            <a:endParaRPr lang="en-US" dirty="0"/>
+            <a:endParaRPr lang="en-US" sz="2800" dirty="0"/>
           </a:p>
         </p:txBody>
       </p:sp>
@@ -5338,7 +5370,7 @@
         <p:spPr>
           <a:xfrm>
             <a:off x="6737684" y="3223158"/>
-            <a:ext cx="1337427" cy="1477328"/>
+            <a:ext cx="1337427" cy="2308324"/>
           </a:xfrm>
           <a:prstGeom prst="rect">
             <a:avLst/>
@@ -5352,13 +5384,13 @@
           <a:lstStyle/>
           <a:p>
             <a:r>
-              <a:rPr lang="en-US" dirty="0"/>
+              <a:rPr lang="en-US" sz="2400" dirty="0"/>
               <a:t>Possible changes in</a:t>
             </a:r>
           </a:p>
           <a:p>
             <a:r>
-              <a:rPr lang="en-US" dirty="0"/>
+              <a:rPr lang="en-US" sz="2400" dirty="0"/>
               <a:t>timing, process, etc.</a:t>
             </a:r>
           </a:p>
@@ -5378,8 +5410,8 @@
         </p:nvSpPr>
         <p:spPr>
           <a:xfrm>
-            <a:off x="9153699" y="2962345"/>
-            <a:ext cx="529311" cy="923330"/>
+            <a:off x="9226735" y="3347487"/>
+            <a:ext cx="364202" cy="523220"/>
           </a:xfrm>
           <a:prstGeom prst="rect">
             <a:avLst/>
@@ -5394,7 +5426,7 @@
           <a:p>
             <a:pPr algn="ctr"/>
             <a:r>
-              <a:rPr lang="en-US" sz="5400" b="0" cap="none" spc="0" dirty="0">
+              <a:rPr lang="en-US" sz="2800" b="0" cap="none" spc="0" dirty="0">
                 <a:ln w="0"/>
                 <a:solidFill>
                   <a:schemeClr val="tx1"/>
@@ -5471,7 +5503,7 @@
         <p:spPr>
           <a:xfrm>
             <a:off x="11164756" y="3123229"/>
-            <a:ext cx="843757" cy="646331"/>
+            <a:ext cx="1062855" cy="830997"/>
           </a:xfrm>
           <a:prstGeom prst="rect">
             <a:avLst/>
@@ -5485,13 +5517,13 @@
           <a:lstStyle/>
           <a:p>
             <a:r>
-              <a:rPr lang="en-US" dirty="0"/>
+              <a:rPr lang="en-US" sz="2400" dirty="0"/>
               <a:t>Repeat</a:t>
             </a:r>
           </a:p>
           <a:p>
             <a:r>
-              <a:rPr lang="en-US" dirty="0"/>
+              <a:rPr lang="en-US" sz="2400" dirty="0"/>
               <a:t>step</a:t>
             </a:r>
           </a:p>
@@ -5511,7 +5543,7 @@
         </p:nvSpPr>
         <p:spPr>
           <a:xfrm>
-            <a:off x="8345582" y="4627495"/>
+            <a:off x="8345582" y="4928295"/>
             <a:ext cx="2118049" cy="714528"/>
           </a:xfrm>
           <a:prstGeom prst="rect">
@@ -5542,14 +5574,14 @@
           <a:p>
             <a:pPr algn="ctr"/>
             <a:r>
-              <a:rPr lang="en-US" dirty="0">
+              <a:rPr lang="en-US" sz="2800" dirty="0">
                 <a:solidFill>
                   <a:schemeClr val="accent1"/>
                 </a:solidFill>
               </a:rPr>
               <a:t>Step #3</a:t>
             </a:r>
-            <a:endParaRPr lang="en-US" dirty="0"/>
+            <a:endParaRPr lang="en-US" sz="2800" dirty="0"/>
           </a:p>
         </p:txBody>
       </p:sp>
@@ -5567,7 +5599,7 @@
         </p:nvCxnSpPr>
         <p:spPr>
           <a:xfrm flipH="1">
-            <a:off x="9404602" y="5321317"/>
+            <a:off x="9404602" y="5622117"/>
             <a:ext cx="1" cy="304146"/>
           </a:xfrm>
           <a:prstGeom prst="straightConnector1">
